--- a/docs/Intelligent-MultiDoc-QnA-Platform - Copy.pptx
+++ b/docs/Intelligent-MultiDoc-QnA-Platform - Copy.pptx
@@ -394,7 +394,7 @@
           <a:p>
             <a:fld id="{AF239A9A-B4B0-4B32-B8CD-2E25E95134C4}" type="datetimeFigureOut">
               <a:rPr lang="en-US" dirty="0"/>
-              <a:t>8/18/2023</a:t>
+              <a:t>11/11/2023</a:t>
             </a:fld>
             <a:endParaRPr lang="en-US" dirty="0"/>
           </a:p>
@@ -802,7 +802,7 @@
           <a:p>
             <a:fld id="{F25518A9-B687-4302-9395-2322403C6656}" type="datetimeFigureOut">
               <a:rPr lang="en-US" dirty="0"/>
-              <a:t>8/18/2023</a:t>
+              <a:t>11/11/2023</a:t>
             </a:fld>
             <a:endParaRPr lang="en-US" dirty="0"/>
           </a:p>
@@ -1133,7 +1133,7 @@
           <a:p>
             <a:fld id="{1A99A684-0CB7-41E9-A4DF-5D1C2CA5BF6F}" type="datetimeFigureOut">
               <a:rPr lang="en-US" dirty="0"/>
-              <a:t>8/18/2023</a:t>
+              <a:t>11/11/2023</a:t>
             </a:fld>
             <a:endParaRPr lang="en-US" dirty="0"/>
           </a:p>
@@ -1533,7 +1533,7 @@
           <a:p>
             <a:fld id="{FEDD7C35-9E19-4518-A4B2-3B09CD8CC756}" type="datetimeFigureOut">
               <a:rPr lang="en-US" dirty="0"/>
-              <a:t>8/18/2023</a:t>
+              <a:t>11/11/2023</a:t>
             </a:fld>
             <a:endParaRPr lang="en-US" dirty="0"/>
           </a:p>
@@ -2096,7 +2096,7 @@
           <a:p>
             <a:fld id="{26196DA8-8897-4DDF-BFB6-5D83863C837A}" type="datetimeFigureOut">
               <a:rPr lang="en-US" dirty="0"/>
-              <a:t>8/18/2023</a:t>
+              <a:t>11/11/2023</a:t>
             </a:fld>
             <a:endParaRPr lang="en-US" dirty="0"/>
           </a:p>
@@ -2772,7 +2772,7 @@
           <a:p>
             <a:fld id="{DCBBA708-C5F0-412D-90E2-1919F0D196AE}" type="datetimeFigureOut">
               <a:rPr lang="en-US" dirty="0"/>
-              <a:t>8/18/2023</a:t>
+              <a:t>11/11/2023</a:t>
             </a:fld>
             <a:endParaRPr lang="en-US" dirty="0"/>
           </a:p>
@@ -3677,7 +3677,7 @@
           <a:p>
             <a:fld id="{A9C8F8FA-EF43-4642-9368-3F4E33039BD9}" type="datetimeFigureOut">
               <a:rPr lang="en-US" dirty="0"/>
-              <a:t>8/18/2023</a:t>
+              <a:t>11/11/2023</a:t>
             </a:fld>
             <a:endParaRPr lang="en-US" dirty="0"/>
           </a:p>
@@ -3985,7 +3985,7 @@
           <a:p>
             <a:fld id="{6B61E721-B01C-4D5D-A3CA-2E5518383F10}" type="datetimeFigureOut">
               <a:rPr lang="en-US" dirty="0"/>
-              <a:t>8/18/2023</a:t>
+              <a:t>11/11/2023</a:t>
             </a:fld>
             <a:endParaRPr lang="en-US" dirty="0"/>
           </a:p>
@@ -4244,7 +4244,7 @@
           <a:p>
             <a:fld id="{6513FEF9-69D0-4F8C-A336-59491FBEDC47}" type="datetimeFigureOut">
               <a:rPr lang="en-US" dirty="0"/>
-              <a:t>8/18/2023</a:t>
+              <a:t>11/11/2023</a:t>
             </a:fld>
             <a:endParaRPr lang="en-US" dirty="0"/>
           </a:p>
@@ -4581,7 +4581,7 @@
           <a:p>
             <a:fld id="{A91E21DC-8981-44E6-BC8C-2BA8F673FFBB}" type="datetimeFigureOut">
               <a:rPr lang="en-US" dirty="0"/>
-              <a:t>8/18/2023</a:t>
+              <a:t>11/11/2023</a:t>
             </a:fld>
             <a:endParaRPr lang="en-US" dirty="0"/>
           </a:p>
@@ -4965,7 +4965,7 @@
           <a:p>
             <a:fld id="{AEB9C5D3-0140-4E75-8D7F-C0623D06DFD7}" type="datetimeFigureOut">
               <a:rPr lang="en-US" dirty="0"/>
-              <a:t>8/18/2023</a:t>
+              <a:t>11/11/2023</a:t>
             </a:fld>
             <a:endParaRPr lang="en-US" dirty="0"/>
           </a:p>
@@ -5336,7 +5336,7 @@
           <a:p>
             <a:fld id="{3A5666F9-5B40-48E0-8DFD-99EF944CDD22}" type="datetimeFigureOut">
               <a:rPr lang="en-US" dirty="0"/>
-              <a:t>8/18/2023</a:t>
+              <a:t>11/11/2023</a:t>
             </a:fld>
             <a:endParaRPr lang="en-US" dirty="0"/>
           </a:p>
@@ -5837,7 +5837,7 @@
           <a:p>
             <a:fld id="{2A698D6B-2C72-4E21-9893-A649C6E2A47D}" type="datetimeFigureOut">
               <a:rPr lang="en-US" dirty="0"/>
-              <a:t>8/18/2023</a:t>
+              <a:t>11/11/2023</a:t>
             </a:fld>
             <a:endParaRPr lang="en-US" dirty="0"/>
           </a:p>
@@ -6089,7 +6089,7 @@
           <a:p>
             <a:fld id="{C86811C9-A66C-49F0-970E-F7B68D9109A0}" type="datetimeFigureOut">
               <a:rPr lang="en-US" dirty="0"/>
-              <a:t>8/18/2023</a:t>
+              <a:t>11/11/2023</a:t>
             </a:fld>
             <a:endParaRPr lang="en-US" dirty="0"/>
           </a:p>
@@ -6247,7 +6247,7 @@
           <a:p>
             <a:fld id="{6C01AE78-96A2-4A23-B183-3B6DB4374FE7}" type="datetimeFigureOut">
               <a:rPr lang="en-US" dirty="0"/>
-              <a:t>8/18/2023</a:t>
+              <a:t>11/11/2023</a:t>
             </a:fld>
             <a:endParaRPr lang="en-US" dirty="0"/>
           </a:p>
@@ -6632,7 +6632,7 @@
           <a:p>
             <a:fld id="{73AE0757-B101-4811-9189-10EB2F458E2D}" type="datetimeFigureOut">
               <a:rPr lang="en-US" dirty="0"/>
-              <a:t>8/18/2023</a:t>
+              <a:t>11/11/2023</a:t>
             </a:fld>
             <a:endParaRPr lang="en-US" dirty="0"/>
           </a:p>
@@ -7035,7 +7035,7 @@
           <a:p>
             <a:fld id="{7EBDC078-589F-40E3-816C-EE21D62B5BBA}" type="datetimeFigureOut">
               <a:rPr lang="en-US" dirty="0"/>
-              <a:t>8/18/2023</a:t>
+              <a:t>11/11/2023</a:t>
             </a:fld>
             <a:endParaRPr lang="en-US" dirty="0"/>
           </a:p>
@@ -7274,7 +7274,7 @@
           <a:p>
             <a:fld id="{C7004436-CA73-4D53-89B4-2A5C7347BF2F}" type="datetimeFigureOut">
               <a:rPr lang="en-US" dirty="0"/>
-              <a:t>8/18/2023</a:t>
+              <a:t>11/11/2023</a:t>
             </a:fld>
             <a:endParaRPr lang="en-US" dirty="0"/>
           </a:p>
@@ -8177,7 +8177,7 @@
                 <a:effectLst/>
                 <a:latin typeface="Söhne"/>
               </a:rPr>
-              <a:t>This entails combining various language models, such as ChatGPT and </a:t>
+              <a:t>This requires the use of Open Source large language models such as Llama 2 and  to models from </a:t>
             </a:r>
             <a:r>
               <a:rPr lang="en-US" b="0" i="0" dirty="0" err="1">
@@ -8197,7 +8197,7 @@
                 <a:effectLst/>
                 <a:latin typeface="Söhne"/>
               </a:rPr>
-              <a:t>, to create a web platform that allows users to upload documents, extract embeddings, and engage in a private ChatGPT interaction for enhanced information retrieval and analysis.</a:t>
+              <a:t> to create a web platform that allows users to upload documents, extract embeddings, and engage in a private Chatbot interaction for enhanced information retrieval and analysis.</a:t>
             </a:r>
             <a:endParaRPr lang="en-US" sz="3200" dirty="0">
               <a:solidFill>
@@ -8563,10 +8563,10 @@
       </p:sp>
       <p:pic>
         <p:nvPicPr>
-          <p:cNvPr id="5" name="Content Placeholder 4">
+          <p:cNvPr id="7" name="Content Placeholder 6">
             <a:extLst>
               <a:ext uri="{FF2B5EF4-FFF2-40B4-BE49-F238E27FC236}">
-                <a16:creationId xmlns:a16="http://schemas.microsoft.com/office/drawing/2014/main" id="{BA416906-B8F8-4663-93F4-EAB41558CC17}"/>
+                <a16:creationId xmlns:a16="http://schemas.microsoft.com/office/drawing/2014/main" id="{9F5490DE-5467-47BF-8075-32F86563B617}"/>
               </a:ext>
             </a:extLst>
           </p:cNvPr>
@@ -8585,8 +8585,8 @@
         </p:blipFill>
         <p:spPr>
           <a:xfrm>
-            <a:off x="1719309" y="2127434"/>
-            <a:ext cx="8753382" cy="4592961"/>
+            <a:off x="0" y="0"/>
+            <a:ext cx="12192000" cy="6858000"/>
           </a:xfrm>
         </p:spPr>
       </p:pic>

--- a/docs/Intelligent-MultiDoc-QnA-Platform - Copy.pptx
+++ b/docs/Intelligent-MultiDoc-QnA-Platform - Copy.pptx
@@ -394,7 +394,7 @@
           <a:p>
             <a:fld id="{AF239A9A-B4B0-4B32-B8CD-2E25E95134C4}" type="datetimeFigureOut">
               <a:rPr lang="en-US" dirty="0"/>
-              <a:t>11/11/2023</a:t>
+              <a:t>11/20/2023</a:t>
             </a:fld>
             <a:endParaRPr lang="en-US" dirty="0"/>
           </a:p>
@@ -802,7 +802,7 @@
           <a:p>
             <a:fld id="{F25518A9-B687-4302-9395-2322403C6656}" type="datetimeFigureOut">
               <a:rPr lang="en-US" dirty="0"/>
-              <a:t>11/11/2023</a:t>
+              <a:t>11/20/2023</a:t>
             </a:fld>
             <a:endParaRPr lang="en-US" dirty="0"/>
           </a:p>
@@ -1133,7 +1133,7 @@
           <a:p>
             <a:fld id="{1A99A684-0CB7-41E9-A4DF-5D1C2CA5BF6F}" type="datetimeFigureOut">
               <a:rPr lang="en-US" dirty="0"/>
-              <a:t>11/11/2023</a:t>
+              <a:t>11/20/2023</a:t>
             </a:fld>
             <a:endParaRPr lang="en-US" dirty="0"/>
           </a:p>
@@ -1533,7 +1533,7 @@
           <a:p>
             <a:fld id="{FEDD7C35-9E19-4518-A4B2-3B09CD8CC756}" type="datetimeFigureOut">
               <a:rPr lang="en-US" dirty="0"/>
-              <a:t>11/11/2023</a:t>
+              <a:t>11/20/2023</a:t>
             </a:fld>
             <a:endParaRPr lang="en-US" dirty="0"/>
           </a:p>
@@ -2096,7 +2096,7 @@
           <a:p>
             <a:fld id="{26196DA8-8897-4DDF-BFB6-5D83863C837A}" type="datetimeFigureOut">
               <a:rPr lang="en-US" dirty="0"/>
-              <a:t>11/11/2023</a:t>
+              <a:t>11/20/2023</a:t>
             </a:fld>
             <a:endParaRPr lang="en-US" dirty="0"/>
           </a:p>
@@ -2772,7 +2772,7 @@
           <a:p>
             <a:fld id="{DCBBA708-C5F0-412D-90E2-1919F0D196AE}" type="datetimeFigureOut">
               <a:rPr lang="en-US" dirty="0"/>
-              <a:t>11/11/2023</a:t>
+              <a:t>11/20/2023</a:t>
             </a:fld>
             <a:endParaRPr lang="en-US" dirty="0"/>
           </a:p>
@@ -3677,7 +3677,7 @@
           <a:p>
             <a:fld id="{A9C8F8FA-EF43-4642-9368-3F4E33039BD9}" type="datetimeFigureOut">
               <a:rPr lang="en-US" dirty="0"/>
-              <a:t>11/11/2023</a:t>
+              <a:t>11/20/2023</a:t>
             </a:fld>
             <a:endParaRPr lang="en-US" dirty="0"/>
           </a:p>
@@ -3985,7 +3985,7 @@
           <a:p>
             <a:fld id="{6B61E721-B01C-4D5D-A3CA-2E5518383F10}" type="datetimeFigureOut">
               <a:rPr lang="en-US" dirty="0"/>
-              <a:t>11/11/2023</a:t>
+              <a:t>11/20/2023</a:t>
             </a:fld>
             <a:endParaRPr lang="en-US" dirty="0"/>
           </a:p>
@@ -4244,7 +4244,7 @@
           <a:p>
             <a:fld id="{6513FEF9-69D0-4F8C-A336-59491FBEDC47}" type="datetimeFigureOut">
               <a:rPr lang="en-US" dirty="0"/>
-              <a:t>11/11/2023</a:t>
+              <a:t>11/20/2023</a:t>
             </a:fld>
             <a:endParaRPr lang="en-US" dirty="0"/>
           </a:p>
@@ -4581,7 +4581,7 @@
           <a:p>
             <a:fld id="{A91E21DC-8981-44E6-BC8C-2BA8F673FFBB}" type="datetimeFigureOut">
               <a:rPr lang="en-US" dirty="0"/>
-              <a:t>11/11/2023</a:t>
+              <a:t>11/20/2023</a:t>
             </a:fld>
             <a:endParaRPr lang="en-US" dirty="0"/>
           </a:p>
@@ -4965,7 +4965,7 @@
           <a:p>
             <a:fld id="{AEB9C5D3-0140-4E75-8D7F-C0623D06DFD7}" type="datetimeFigureOut">
               <a:rPr lang="en-US" dirty="0"/>
-              <a:t>11/11/2023</a:t>
+              <a:t>11/20/2023</a:t>
             </a:fld>
             <a:endParaRPr lang="en-US" dirty="0"/>
           </a:p>
@@ -5336,7 +5336,7 @@
           <a:p>
             <a:fld id="{3A5666F9-5B40-48E0-8DFD-99EF944CDD22}" type="datetimeFigureOut">
               <a:rPr lang="en-US" dirty="0"/>
-              <a:t>11/11/2023</a:t>
+              <a:t>11/20/2023</a:t>
             </a:fld>
             <a:endParaRPr lang="en-US" dirty="0"/>
           </a:p>
@@ -5837,7 +5837,7 @@
           <a:p>
             <a:fld id="{2A698D6B-2C72-4E21-9893-A649C6E2A47D}" type="datetimeFigureOut">
               <a:rPr lang="en-US" dirty="0"/>
-              <a:t>11/11/2023</a:t>
+              <a:t>11/20/2023</a:t>
             </a:fld>
             <a:endParaRPr lang="en-US" dirty="0"/>
           </a:p>
@@ -6089,7 +6089,7 @@
           <a:p>
             <a:fld id="{C86811C9-A66C-49F0-970E-F7B68D9109A0}" type="datetimeFigureOut">
               <a:rPr lang="en-US" dirty="0"/>
-              <a:t>11/11/2023</a:t>
+              <a:t>11/20/2023</a:t>
             </a:fld>
             <a:endParaRPr lang="en-US" dirty="0"/>
           </a:p>
@@ -6247,7 +6247,7 @@
           <a:p>
             <a:fld id="{6C01AE78-96A2-4A23-B183-3B6DB4374FE7}" type="datetimeFigureOut">
               <a:rPr lang="en-US" dirty="0"/>
-              <a:t>11/11/2023</a:t>
+              <a:t>11/20/2023</a:t>
             </a:fld>
             <a:endParaRPr lang="en-US" dirty="0"/>
           </a:p>
@@ -6632,7 +6632,7 @@
           <a:p>
             <a:fld id="{73AE0757-B101-4811-9189-10EB2F458E2D}" type="datetimeFigureOut">
               <a:rPr lang="en-US" dirty="0"/>
-              <a:t>11/11/2023</a:t>
+              <a:t>11/20/2023</a:t>
             </a:fld>
             <a:endParaRPr lang="en-US" dirty="0"/>
           </a:p>
@@ -7035,7 +7035,7 @@
           <a:p>
             <a:fld id="{7EBDC078-589F-40E3-816C-EE21D62B5BBA}" type="datetimeFigureOut">
               <a:rPr lang="en-US" dirty="0"/>
-              <a:t>11/11/2023</a:t>
+              <a:t>11/20/2023</a:t>
             </a:fld>
             <a:endParaRPr lang="en-US" dirty="0"/>
           </a:p>
@@ -7274,7 +7274,7 @@
           <a:p>
             <a:fld id="{C7004436-CA73-4D53-89B4-2A5C7347BF2F}" type="datetimeFigureOut">
               <a:rPr lang="en-US" dirty="0"/>
-              <a:t>11/11/2023</a:t>
+              <a:t>11/20/2023</a:t>
             </a:fld>
             <a:endParaRPr lang="en-US" dirty="0"/>
           </a:p>
@@ -8177,7 +8177,7 @@
                 <a:effectLst/>
                 <a:latin typeface="Söhne"/>
               </a:rPr>
-              <a:t>This requires the use of Open Source large language models such as Llama 2 and  to models from </a:t>
+              <a:t>This requires the use of Open Source large language models such as Llama 2-70B  and  to models from </a:t>
             </a:r>
             <a:r>
               <a:rPr lang="en-US" b="0" i="0" dirty="0" err="1">
@@ -8669,13 +8669,13 @@
           <p:nvPr>
             <p:extLst>
               <p:ext uri="{D42A27DB-BD31-4B8C-83A1-F6EECF244321}">
-                <p14:modId xmlns:p14="http://schemas.microsoft.com/office/powerpoint/2010/main" val="4088727900"/>
+                <p14:modId xmlns:p14="http://schemas.microsoft.com/office/powerpoint/2010/main" val="2412933478"/>
               </p:ext>
             </p:extLst>
           </p:nvPr>
         </p:nvGraphicFramePr>
         <p:xfrm>
-          <a:off x="0" y="3679464"/>
+          <a:off x="0" y="3298444"/>
           <a:ext cx="12192000" cy="3559556"/>
         </p:xfrm>
         <a:graphic>
@@ -9381,13 +9381,13 @@
             <p:ph idx="1"/>
             <p:extLst>
               <p:ext uri="{D42A27DB-BD31-4B8C-83A1-F6EECF244321}">
-                <p14:modId xmlns:p14="http://schemas.microsoft.com/office/powerpoint/2010/main" val="2708166555"/>
+                <p14:modId xmlns:p14="http://schemas.microsoft.com/office/powerpoint/2010/main" val="4184628548"/>
               </p:ext>
             </p:extLst>
           </p:nvPr>
         </p:nvGraphicFramePr>
         <p:xfrm>
-          <a:off x="0" y="1979720"/>
+          <a:off x="0" y="1612167"/>
           <a:ext cx="12192000" cy="2479330"/>
         </p:xfrm>
         <a:graphic>
@@ -9480,7 +9480,7 @@
                     <a:p>
                       <a:pPr algn="ctr"/>
                       <a:r>
-                        <a:rPr lang="en-US" sz="1400" b="1">
+                        <a:rPr lang="en-US" sz="1400" b="1" dirty="0">
                           <a:solidFill>
                             <a:schemeClr val="bg1"/>
                           </a:solidFill>
@@ -11146,48 +11146,6 @@
                 <a:effectLst/>
                 <a:latin typeface="Sohne"/>
               </a:rPr>
-              <a:t>Analysis of Search-Engine Query Patterns </a:t>
-            </a:r>
-            <a:r>
-              <a:rPr lang="en-IN" sz="1400" b="1" dirty="0">
-                <a:solidFill>
-                  <a:schemeClr val="bg1"/>
-                </a:solidFill>
-                <a:effectLst/>
-                <a:latin typeface="Sohne"/>
-              </a:rPr>
-              <a:t>- </a:t>
-            </a:r>
-            <a:r>
-              <a:rPr lang="en-US" sz="1400" b="1" dirty="0">
-                <a:solidFill>
-                  <a:schemeClr val="bg1"/>
-                </a:solidFill>
-                <a:effectLst/>
-                <a:latin typeface="Sohne"/>
-              </a:rPr>
-              <a:t>Louis R Pasquale, MD Department of Ophthalmology Icahn School of Medicine at Mount Sinai - 2023</a:t>
-            </a:r>
-          </a:p>
-          <a:p>
-            <a:pPr algn="just">
-              <a:lnSpc>
-                <a:spcPts val="1700"/>
-              </a:lnSpc>
-              <a:spcBef>
-                <a:spcPts val="600"/>
-              </a:spcBef>
-              <a:buFont typeface="+mj-lt"/>
-              <a:buAutoNum type="arabicPeriod"/>
-            </a:pPr>
-            <a:r>
-              <a:rPr lang="en-US" sz="1400" b="1" dirty="0">
-                <a:solidFill>
-                  <a:schemeClr val="bg1"/>
-                </a:solidFill>
-                <a:effectLst/>
-                <a:latin typeface="Sohne"/>
-              </a:rPr>
               <a:t>Pythia: A Suite for Analyzing Large Language Models Across Training and Scaling - </a:t>
             </a:r>
             <a:r>

--- a/docs/Intelligent-MultiDoc-QnA-Platform - Copy.pptx
+++ b/docs/Intelligent-MultiDoc-QnA-Platform - Copy.pptx
@@ -394,7 +394,7 @@
           <a:p>
             <a:fld id="{AF239A9A-B4B0-4B32-B8CD-2E25E95134C4}" type="datetimeFigureOut">
               <a:rPr lang="en-US" dirty="0"/>
-              <a:t>11/20/2023</a:t>
+              <a:t>1/23/2024</a:t>
             </a:fld>
             <a:endParaRPr lang="en-US" dirty="0"/>
           </a:p>
@@ -802,7 +802,7 @@
           <a:p>
             <a:fld id="{F25518A9-B687-4302-9395-2322403C6656}" type="datetimeFigureOut">
               <a:rPr lang="en-US" dirty="0"/>
-              <a:t>11/20/2023</a:t>
+              <a:t>1/23/2024</a:t>
             </a:fld>
             <a:endParaRPr lang="en-US" dirty="0"/>
           </a:p>
@@ -1133,7 +1133,7 @@
           <a:p>
             <a:fld id="{1A99A684-0CB7-41E9-A4DF-5D1C2CA5BF6F}" type="datetimeFigureOut">
               <a:rPr lang="en-US" dirty="0"/>
-              <a:t>11/20/2023</a:t>
+              <a:t>1/23/2024</a:t>
             </a:fld>
             <a:endParaRPr lang="en-US" dirty="0"/>
           </a:p>
@@ -1533,7 +1533,7 @@
           <a:p>
             <a:fld id="{FEDD7C35-9E19-4518-A4B2-3B09CD8CC756}" type="datetimeFigureOut">
               <a:rPr lang="en-US" dirty="0"/>
-              <a:t>11/20/2023</a:t>
+              <a:t>1/23/2024</a:t>
             </a:fld>
             <a:endParaRPr lang="en-US" dirty="0"/>
           </a:p>
@@ -2096,7 +2096,7 @@
           <a:p>
             <a:fld id="{26196DA8-8897-4DDF-BFB6-5D83863C837A}" type="datetimeFigureOut">
               <a:rPr lang="en-US" dirty="0"/>
-              <a:t>11/20/2023</a:t>
+              <a:t>1/23/2024</a:t>
             </a:fld>
             <a:endParaRPr lang="en-US" dirty="0"/>
           </a:p>
@@ -2772,7 +2772,7 @@
           <a:p>
             <a:fld id="{DCBBA708-C5F0-412D-90E2-1919F0D196AE}" type="datetimeFigureOut">
               <a:rPr lang="en-US" dirty="0"/>
-              <a:t>11/20/2023</a:t>
+              <a:t>1/23/2024</a:t>
             </a:fld>
             <a:endParaRPr lang="en-US" dirty="0"/>
           </a:p>
@@ -3677,7 +3677,7 @@
           <a:p>
             <a:fld id="{A9C8F8FA-EF43-4642-9368-3F4E33039BD9}" type="datetimeFigureOut">
               <a:rPr lang="en-US" dirty="0"/>
-              <a:t>11/20/2023</a:t>
+              <a:t>1/23/2024</a:t>
             </a:fld>
             <a:endParaRPr lang="en-US" dirty="0"/>
           </a:p>
@@ -3985,7 +3985,7 @@
           <a:p>
             <a:fld id="{6B61E721-B01C-4D5D-A3CA-2E5518383F10}" type="datetimeFigureOut">
               <a:rPr lang="en-US" dirty="0"/>
-              <a:t>11/20/2023</a:t>
+              <a:t>1/23/2024</a:t>
             </a:fld>
             <a:endParaRPr lang="en-US" dirty="0"/>
           </a:p>
@@ -4244,7 +4244,7 @@
           <a:p>
             <a:fld id="{6513FEF9-69D0-4F8C-A336-59491FBEDC47}" type="datetimeFigureOut">
               <a:rPr lang="en-US" dirty="0"/>
-              <a:t>11/20/2023</a:t>
+              <a:t>1/23/2024</a:t>
             </a:fld>
             <a:endParaRPr lang="en-US" dirty="0"/>
           </a:p>
@@ -4581,7 +4581,7 @@
           <a:p>
             <a:fld id="{A91E21DC-8981-44E6-BC8C-2BA8F673FFBB}" type="datetimeFigureOut">
               <a:rPr lang="en-US" dirty="0"/>
-              <a:t>11/20/2023</a:t>
+              <a:t>1/23/2024</a:t>
             </a:fld>
             <a:endParaRPr lang="en-US" dirty="0"/>
           </a:p>
@@ -4965,7 +4965,7 @@
           <a:p>
             <a:fld id="{AEB9C5D3-0140-4E75-8D7F-C0623D06DFD7}" type="datetimeFigureOut">
               <a:rPr lang="en-US" dirty="0"/>
-              <a:t>11/20/2023</a:t>
+              <a:t>1/23/2024</a:t>
             </a:fld>
             <a:endParaRPr lang="en-US" dirty="0"/>
           </a:p>
@@ -5336,7 +5336,7 @@
           <a:p>
             <a:fld id="{3A5666F9-5B40-48E0-8DFD-99EF944CDD22}" type="datetimeFigureOut">
               <a:rPr lang="en-US" dirty="0"/>
-              <a:t>11/20/2023</a:t>
+              <a:t>1/23/2024</a:t>
             </a:fld>
             <a:endParaRPr lang="en-US" dirty="0"/>
           </a:p>
@@ -5837,7 +5837,7 @@
           <a:p>
             <a:fld id="{2A698D6B-2C72-4E21-9893-A649C6E2A47D}" type="datetimeFigureOut">
               <a:rPr lang="en-US" dirty="0"/>
-              <a:t>11/20/2023</a:t>
+              <a:t>1/23/2024</a:t>
             </a:fld>
             <a:endParaRPr lang="en-US" dirty="0"/>
           </a:p>
@@ -6089,7 +6089,7 @@
           <a:p>
             <a:fld id="{C86811C9-A66C-49F0-970E-F7B68D9109A0}" type="datetimeFigureOut">
               <a:rPr lang="en-US" dirty="0"/>
-              <a:t>11/20/2023</a:t>
+              <a:t>1/23/2024</a:t>
             </a:fld>
             <a:endParaRPr lang="en-US" dirty="0"/>
           </a:p>
@@ -6247,7 +6247,7 @@
           <a:p>
             <a:fld id="{6C01AE78-96A2-4A23-B183-3B6DB4374FE7}" type="datetimeFigureOut">
               <a:rPr lang="en-US" dirty="0"/>
-              <a:t>11/20/2023</a:t>
+              <a:t>1/23/2024</a:t>
             </a:fld>
             <a:endParaRPr lang="en-US" dirty="0"/>
           </a:p>
@@ -6632,7 +6632,7 @@
           <a:p>
             <a:fld id="{73AE0757-B101-4811-9189-10EB2F458E2D}" type="datetimeFigureOut">
               <a:rPr lang="en-US" dirty="0"/>
-              <a:t>11/20/2023</a:t>
+              <a:t>1/23/2024</a:t>
             </a:fld>
             <a:endParaRPr lang="en-US" dirty="0"/>
           </a:p>
@@ -7035,7 +7035,7 @@
           <a:p>
             <a:fld id="{7EBDC078-589F-40E3-816C-EE21D62B5BBA}" type="datetimeFigureOut">
               <a:rPr lang="en-US" dirty="0"/>
-              <a:t>11/20/2023</a:t>
+              <a:t>1/23/2024</a:t>
             </a:fld>
             <a:endParaRPr lang="en-US" dirty="0"/>
           </a:p>
@@ -7274,7 +7274,7 @@
           <a:p>
             <a:fld id="{C7004436-CA73-4D53-89B4-2A5C7347BF2F}" type="datetimeFigureOut">
               <a:rPr lang="en-US" dirty="0"/>
-              <a:t>11/20/2023</a:t>
+              <a:t>1/23/2024</a:t>
             </a:fld>
             <a:endParaRPr lang="en-US" dirty="0"/>
           </a:p>
@@ -8585,7 +8585,7 @@
         </p:blipFill>
         <p:spPr>
           <a:xfrm>
-            <a:off x="0" y="0"/>
+            <a:off x="0" y="9331"/>
             <a:ext cx="12192000" cy="6858000"/>
           </a:xfrm>
         </p:spPr>
